--- a/presentations/2021-01-27/figures/JDR_simple_example.pptx
+++ b/presentations/2021-01-27/figures/JDR_simple_example.pptx
@@ -104,6 +104,11 @@
       </a:defRPr>
     </a:lvl9pPr>
   </p:defaultTextStyle>
+  <p:extLst>
+    <p:ext uri="{EFAFB233-063F-42B5-8137-9DF3F51BA10A}">
+      <p15:sldGuideLst xmlns:p15="http://schemas.microsoft.com/office/powerpoint/2012/main"/>
+    </p:ext>
+  </p:extLst>
 </p:presentation>
 </file>
 
@@ -254,7 +259,7 @@
           <a:p>
             <a:fld id="{59FF5A2B-1521-6744-AAB1-BC70EECAE309}" type="datetimeFigureOut">
               <a:rPr lang="en-US" smtClean="0"/>
-              <a:t>1/26/22</a:t>
+              <a:t>1/27/22</a:t>
             </a:fld>
             <a:endParaRPr lang="en-US"/>
           </a:p>
@@ -452,7 +457,7 @@
           <a:p>
             <a:fld id="{59FF5A2B-1521-6744-AAB1-BC70EECAE309}" type="datetimeFigureOut">
               <a:rPr lang="en-US" smtClean="0"/>
-              <a:t>1/26/22</a:t>
+              <a:t>1/27/22</a:t>
             </a:fld>
             <a:endParaRPr lang="en-US"/>
           </a:p>
@@ -660,7 +665,7 @@
           <a:p>
             <a:fld id="{59FF5A2B-1521-6744-AAB1-BC70EECAE309}" type="datetimeFigureOut">
               <a:rPr lang="en-US" smtClean="0"/>
-              <a:t>1/26/22</a:t>
+              <a:t>1/27/22</a:t>
             </a:fld>
             <a:endParaRPr lang="en-US"/>
           </a:p>
@@ -858,7 +863,7 @@
           <a:p>
             <a:fld id="{59FF5A2B-1521-6744-AAB1-BC70EECAE309}" type="datetimeFigureOut">
               <a:rPr lang="en-US" smtClean="0"/>
-              <a:t>1/26/22</a:t>
+              <a:t>1/27/22</a:t>
             </a:fld>
             <a:endParaRPr lang="en-US"/>
           </a:p>
@@ -1133,7 +1138,7 @@
           <a:p>
             <a:fld id="{59FF5A2B-1521-6744-AAB1-BC70EECAE309}" type="datetimeFigureOut">
               <a:rPr lang="en-US" smtClean="0"/>
-              <a:t>1/26/22</a:t>
+              <a:t>1/27/22</a:t>
             </a:fld>
             <a:endParaRPr lang="en-US"/>
           </a:p>
@@ -1398,7 +1403,7 @@
           <a:p>
             <a:fld id="{59FF5A2B-1521-6744-AAB1-BC70EECAE309}" type="datetimeFigureOut">
               <a:rPr lang="en-US" smtClean="0"/>
-              <a:t>1/26/22</a:t>
+              <a:t>1/27/22</a:t>
             </a:fld>
             <a:endParaRPr lang="en-US"/>
           </a:p>
@@ -1810,7 +1815,7 @@
           <a:p>
             <a:fld id="{59FF5A2B-1521-6744-AAB1-BC70EECAE309}" type="datetimeFigureOut">
               <a:rPr lang="en-US" smtClean="0"/>
-              <a:t>1/26/22</a:t>
+              <a:t>1/27/22</a:t>
             </a:fld>
             <a:endParaRPr lang="en-US"/>
           </a:p>
@@ -1951,7 +1956,7 @@
           <a:p>
             <a:fld id="{59FF5A2B-1521-6744-AAB1-BC70EECAE309}" type="datetimeFigureOut">
               <a:rPr lang="en-US" smtClean="0"/>
-              <a:t>1/26/22</a:t>
+              <a:t>1/27/22</a:t>
             </a:fld>
             <a:endParaRPr lang="en-US"/>
           </a:p>
@@ -2064,7 +2069,7 @@
           <a:p>
             <a:fld id="{59FF5A2B-1521-6744-AAB1-BC70EECAE309}" type="datetimeFigureOut">
               <a:rPr lang="en-US" smtClean="0"/>
-              <a:t>1/26/22</a:t>
+              <a:t>1/27/22</a:t>
             </a:fld>
             <a:endParaRPr lang="en-US"/>
           </a:p>
@@ -2375,7 +2380,7 @@
           <a:p>
             <a:fld id="{59FF5A2B-1521-6744-AAB1-BC70EECAE309}" type="datetimeFigureOut">
               <a:rPr lang="en-US" smtClean="0"/>
-              <a:t>1/26/22</a:t>
+              <a:t>1/27/22</a:t>
             </a:fld>
             <a:endParaRPr lang="en-US"/>
           </a:p>
@@ -2663,7 +2668,7 @@
           <a:p>
             <a:fld id="{59FF5A2B-1521-6744-AAB1-BC70EECAE309}" type="datetimeFigureOut">
               <a:rPr lang="en-US" smtClean="0"/>
-              <a:t>1/26/22</a:t>
+              <a:t>1/27/22</a:t>
             </a:fld>
             <a:endParaRPr lang="en-US"/>
           </a:p>
@@ -2904,7 +2909,7 @@
           <a:p>
             <a:fld id="{59FF5A2B-1521-6744-AAB1-BC70EECAE309}" type="datetimeFigureOut">
               <a:rPr lang="en-US" smtClean="0"/>
-              <a:t>1/26/22</a:t>
+              <a:t>1/27/22</a:t>
             </a:fld>
             <a:endParaRPr lang="en-US"/>
           </a:p>
@@ -4193,6 +4198,43 @@
           </a:p>
         </p:txBody>
       </p:sp>
+      <p:sp>
+        <p:nvSpPr>
+          <p:cNvPr id="28" name="TextBox 27">
+            <a:extLst>
+              <a:ext uri="{FF2B5EF4-FFF2-40B4-BE49-F238E27FC236}">
+                <a16:creationId xmlns:a16="http://schemas.microsoft.com/office/drawing/2014/main" id="{D93BD949-D42E-9243-A6A4-E61BF335F508}"/>
+              </a:ext>
+            </a:extLst>
+          </p:cNvPr>
+          <p:cNvSpPr txBox="1"/>
+          <p:nvPr/>
+        </p:nvSpPr>
+        <p:spPr>
+          <a:xfrm>
+            <a:off x="88055" y="56095"/>
+            <a:ext cx="3829172" cy="1938992"/>
+          </a:xfrm>
+          <a:prstGeom prst="rect">
+            <a:avLst/>
+          </a:prstGeom>
+          <a:noFill/>
+        </p:spPr>
+        <p:txBody>
+          <a:bodyPr wrap="square" rtlCol="0">
+            <a:spAutoFit/>
+          </a:bodyPr>
+          <a:lstStyle/>
+          <a:p>
+            <a:r>
+              <a:rPr lang="en-US" sz="3000" i="1" dirty="0">
+                <a:latin typeface="Helvetica" pitchFamily="2" charset="0"/>
+              </a:rPr>
+              <a:t>John Day River wild steelhead, having just ascended Bonneville Dam</a:t>
+            </a:r>
+          </a:p>
+        </p:txBody>
+      </p:sp>
     </p:spTree>
     <p:extLst>
       <p:ext uri="{BB962C8B-B14F-4D97-AF65-F5344CB8AC3E}">
